--- a/virtualpantry_Documantation.pptx
+++ b/virtualpantry_Documantation.pptx
@@ -10,6 +10,7 @@
     <p:sldId id="260" r:id="rId4"/>
     <p:sldId id="258" r:id="rId5"/>
     <p:sldId id="259" r:id="rId6"/>
+    <p:sldId id="261" r:id="rId7"/>
   </p:sldIdLst>
   <p:sldSz cx="12192000" cy="6858000"/>
   <p:notesSz cx="6858000" cy="9144000"/>
@@ -850,7 +851,7 @@
           <a:p>
             <a:fld id="{9DECE71F-406B-8648-BAB1-257CA581695D}" type="datetimeFigureOut">
               <a:rPr lang="en-HU" smtClean="0"/>
-              <a:t>2020. 05. 18.</a:t>
+              <a:t>2020. 05. 19.</a:t>
             </a:fld>
             <a:endParaRPr lang="en-HU"/>
           </a:p>
@@ -1101,7 +1102,7 @@
           <a:p>
             <a:fld id="{9DECE71F-406B-8648-BAB1-257CA581695D}" type="datetimeFigureOut">
               <a:rPr lang="en-HU" smtClean="0"/>
-              <a:t>2020. 05. 18.</a:t>
+              <a:t>2020. 05. 19.</a:t>
             </a:fld>
             <a:endParaRPr lang="en-HU"/>
           </a:p>
@@ -1415,7 +1416,7 @@
           <a:p>
             <a:fld id="{9DECE71F-406B-8648-BAB1-257CA581695D}" type="datetimeFigureOut">
               <a:rPr lang="en-HU" smtClean="0"/>
-              <a:t>2020. 05. 18.</a:t>
+              <a:t>2020. 05. 19.</a:t>
             </a:fld>
             <a:endParaRPr lang="en-HU"/>
           </a:p>
@@ -1756,7 +1757,7 @@
           <a:p>
             <a:fld id="{9DECE71F-406B-8648-BAB1-257CA581695D}" type="datetimeFigureOut">
               <a:rPr lang="en-HU" smtClean="0"/>
-              <a:t>2020. 05. 18.</a:t>
+              <a:t>2020. 05. 19.</a:t>
             </a:fld>
             <a:endParaRPr lang="en-HU"/>
           </a:p>
@@ -2070,7 +2071,7 @@
           <a:p>
             <a:fld id="{9DECE71F-406B-8648-BAB1-257CA581695D}" type="datetimeFigureOut">
               <a:rPr lang="en-HU" smtClean="0"/>
-              <a:t>2020. 05. 18.</a:t>
+              <a:t>2020. 05. 19.</a:t>
             </a:fld>
             <a:endParaRPr lang="en-HU"/>
           </a:p>
@@ -2463,7 +2464,7 @@
           <a:p>
             <a:fld id="{9DECE71F-406B-8648-BAB1-257CA581695D}" type="datetimeFigureOut">
               <a:rPr lang="en-HU" smtClean="0"/>
-              <a:t>2020. 05. 18.</a:t>
+              <a:t>2020. 05. 19.</a:t>
             </a:fld>
             <a:endParaRPr lang="en-HU"/>
           </a:p>
@@ -2633,7 +2634,7 @@
           <a:p>
             <a:fld id="{9DECE71F-406B-8648-BAB1-257CA581695D}" type="datetimeFigureOut">
               <a:rPr lang="en-HU" smtClean="0"/>
-              <a:t>2020. 05. 18.</a:t>
+              <a:t>2020. 05. 19.</a:t>
             </a:fld>
             <a:endParaRPr lang="en-HU"/>
           </a:p>
@@ -2813,7 +2814,7 @@
           <a:p>
             <a:fld id="{9DECE71F-406B-8648-BAB1-257CA581695D}" type="datetimeFigureOut">
               <a:rPr lang="en-HU" smtClean="0"/>
-              <a:t>2020. 05. 18.</a:t>
+              <a:t>2020. 05. 19.</a:t>
             </a:fld>
             <a:endParaRPr lang="en-HU"/>
           </a:p>
@@ -2989,7 +2990,7 @@
           <a:p>
             <a:fld id="{9DECE71F-406B-8648-BAB1-257CA581695D}" type="datetimeFigureOut">
               <a:rPr lang="en-HU" smtClean="0"/>
-              <a:t>2020. 05. 18.</a:t>
+              <a:t>2020. 05. 19.</a:t>
             </a:fld>
             <a:endParaRPr lang="en-HU"/>
           </a:p>
@@ -3236,7 +3237,7 @@
           <a:p>
             <a:fld id="{9DECE71F-406B-8648-BAB1-257CA581695D}" type="datetimeFigureOut">
               <a:rPr lang="en-HU" smtClean="0"/>
-              <a:t>2020. 05. 18.</a:t>
+              <a:t>2020. 05. 19.</a:t>
             </a:fld>
             <a:endParaRPr lang="en-HU"/>
           </a:p>
@@ -3468,7 +3469,7 @@
           <a:p>
             <a:fld id="{9DECE71F-406B-8648-BAB1-257CA581695D}" type="datetimeFigureOut">
               <a:rPr lang="en-HU" smtClean="0"/>
-              <a:t>2020. 05. 18.</a:t>
+              <a:t>2020. 05. 19.</a:t>
             </a:fld>
             <a:endParaRPr lang="en-HU"/>
           </a:p>
@@ -3842,7 +3843,7 @@
           <a:p>
             <a:fld id="{9DECE71F-406B-8648-BAB1-257CA581695D}" type="datetimeFigureOut">
               <a:rPr lang="en-HU" smtClean="0"/>
-              <a:t>2020. 05. 18.</a:t>
+              <a:t>2020. 05. 19.</a:t>
             </a:fld>
             <a:endParaRPr lang="en-HU"/>
           </a:p>
@@ -3965,7 +3966,7 @@
           <a:p>
             <a:fld id="{9DECE71F-406B-8648-BAB1-257CA581695D}" type="datetimeFigureOut">
               <a:rPr lang="en-HU" smtClean="0"/>
-              <a:t>2020. 05. 18.</a:t>
+              <a:t>2020. 05. 19.</a:t>
             </a:fld>
             <a:endParaRPr lang="en-HU"/>
           </a:p>
@@ -4060,7 +4061,7 @@
           <a:p>
             <a:fld id="{9DECE71F-406B-8648-BAB1-257CA581695D}" type="datetimeFigureOut">
               <a:rPr lang="en-HU" smtClean="0"/>
-              <a:t>2020. 05. 18.</a:t>
+              <a:t>2020. 05. 19.</a:t>
             </a:fld>
             <a:endParaRPr lang="en-HU"/>
           </a:p>
@@ -4315,7 +4316,7 @@
           <a:p>
             <a:fld id="{9DECE71F-406B-8648-BAB1-257CA581695D}" type="datetimeFigureOut">
               <a:rPr lang="en-HU" smtClean="0"/>
-              <a:t>2020. 05. 18.</a:t>
+              <a:t>2020. 05. 19.</a:t>
             </a:fld>
             <a:endParaRPr lang="en-HU"/>
           </a:p>
@@ -4578,7 +4579,7 @@
           <a:p>
             <a:fld id="{9DECE71F-406B-8648-BAB1-257CA581695D}" type="datetimeFigureOut">
               <a:rPr lang="en-HU" smtClean="0"/>
-              <a:t>2020. 05. 18.</a:t>
+              <a:t>2020. 05. 19.</a:t>
             </a:fld>
             <a:endParaRPr lang="en-HU"/>
           </a:p>
@@ -5321,7 +5322,7 @@
           <a:p>
             <a:fld id="{9DECE71F-406B-8648-BAB1-257CA581695D}" type="datetimeFigureOut">
               <a:rPr lang="en-HU" smtClean="0"/>
-              <a:t>2020. 05. 18.</a:t>
+              <a:t>2020. 05. 19.</a:t>
             </a:fld>
             <a:endParaRPr lang="en-HU"/>
           </a:p>
@@ -8060,6 +8061,417 @@
 </p:sld>
 </file>
 
+<file path=ppt/slides/slide6.xml><?xml version="1.0" encoding="utf-8"?>
+<p:sld xmlns:a="http://schemas.openxmlformats.org/drawingml/2006/main" xmlns:r="http://schemas.openxmlformats.org/officeDocument/2006/relationships" xmlns:p="http://schemas.openxmlformats.org/presentationml/2006/main">
+  <p:cSld>
+    <p:spTree>
+      <p:nvGrpSpPr>
+        <p:cNvPr id="1" name=""/>
+        <p:cNvGrpSpPr/>
+        <p:nvPr/>
+      </p:nvGrpSpPr>
+      <p:grpSpPr>
+        <a:xfrm>
+          <a:off x="0" y="0"/>
+          <a:ext cx="0" cy="0"/>
+          <a:chOff x="0" y="0"/>
+          <a:chExt cx="0" cy="0"/>
+        </a:xfrm>
+      </p:grpSpPr>
+      <p:sp>
+        <p:nvSpPr>
+          <p:cNvPr id="2" name="Title 1">
+            <a:extLst>
+              <a:ext uri="{FF2B5EF4-FFF2-40B4-BE49-F238E27FC236}">
+                <a16:creationId xmlns:a16="http://schemas.microsoft.com/office/drawing/2014/main" id="{F9640D18-838A-BF40-B77A-EEA5CE814B1E}"/>
+              </a:ext>
+            </a:extLst>
+          </p:cNvPr>
+          <p:cNvSpPr>
+            <a:spLocks noGrp="1"/>
+          </p:cNvSpPr>
+          <p:nvPr>
+            <p:ph type="title"/>
+          </p:nvPr>
+        </p:nvSpPr>
+        <p:spPr/>
+        <p:txBody>
+          <a:bodyPr/>
+          <a:lstStyle/>
+          <a:p>
+            <a:r>
+              <a:rPr lang="en-GB" dirty="0"/>
+              <a:t>MongoDB Cluster</a:t>
+            </a:r>
+            <a:br>
+              <a:rPr lang="en-GB" dirty="0"/>
+            </a:br>
+            <a:endParaRPr lang="en-HU" dirty="0"/>
+          </a:p>
+        </p:txBody>
+      </p:sp>
+      <p:pic>
+        <p:nvPicPr>
+          <p:cNvPr id="1026" name="Picture 2">
+            <a:extLst>
+              <a:ext uri="{FF2B5EF4-FFF2-40B4-BE49-F238E27FC236}">
+                <a16:creationId xmlns:a16="http://schemas.microsoft.com/office/drawing/2014/main" id="{98249CE9-4A97-5E40-8A78-5D7B8FF9444B}"/>
+              </a:ext>
+            </a:extLst>
+          </p:cNvPr>
+          <p:cNvPicPr>
+            <a:picLocks noGrp="1" noChangeAspect="1" noChangeArrowheads="1"/>
+          </p:cNvPicPr>
+          <p:nvPr>
+            <p:ph idx="1"/>
+          </p:nvPr>
+        </p:nvPicPr>
+        <p:blipFill>
+          <a:blip r:embed="rId2">
+            <a:extLst>
+              <a:ext uri="{28A0092B-C50C-407E-A947-70E740481C1C}">
+                <a14:useLocalDpi xmlns:a14="http://schemas.microsoft.com/office/drawing/2010/main" val="0"/>
+              </a:ext>
+            </a:extLst>
+          </a:blip>
+          <a:srcRect/>
+          <a:stretch>
+            <a:fillRect/>
+          </a:stretch>
+        </p:blipFill>
+        <p:spPr bwMode="auto">
+          <a:xfrm>
+            <a:off x="1943646" y="2160588"/>
+            <a:ext cx="6387206" cy="4087812"/>
+          </a:xfrm>
+          <a:prstGeom prst="rect">
+            <a:avLst/>
+          </a:prstGeom>
+          <a:noFill/>
+          <a:extLst>
+            <a:ext uri="{909E8E84-426E-40DD-AFC4-6F175D3DCCD1}">
+              <a14:hiddenFill xmlns:a14="http://schemas.microsoft.com/office/drawing/2010/main">
+                <a:solidFill>
+                  <a:srgbClr val="FFFFFF"/>
+                </a:solidFill>
+              </a14:hiddenFill>
+            </a:ext>
+          </a:extLst>
+        </p:spPr>
+      </p:pic>
+      <p:sp>
+        <p:nvSpPr>
+          <p:cNvPr id="5" name="TextBox 4">
+            <a:extLst>
+              <a:ext uri="{FF2B5EF4-FFF2-40B4-BE49-F238E27FC236}">
+                <a16:creationId xmlns:a16="http://schemas.microsoft.com/office/drawing/2014/main" id="{E89D64CC-0618-3D4A-B095-6ACBD71AB57F}"/>
+              </a:ext>
+            </a:extLst>
+          </p:cNvPr>
+          <p:cNvSpPr txBox="1"/>
+          <p:nvPr/>
+        </p:nvSpPr>
+        <p:spPr>
+          <a:xfrm>
+            <a:off x="1446274" y="1407180"/>
+            <a:ext cx="2368107" cy="523220"/>
+          </a:xfrm>
+          <a:prstGeom prst="rect">
+            <a:avLst/>
+          </a:prstGeom>
+          <a:solidFill>
+            <a:schemeClr val="accent1">
+              <a:lumMod val="20000"/>
+              <a:lumOff val="80000"/>
+            </a:schemeClr>
+          </a:solidFill>
+          <a:effectLst>
+            <a:outerShdw blurRad="50800" dist="50800" dir="5400000" sx="1000" sy="1000" algn="ctr" rotWithShape="0">
+              <a:srgbClr val="000000">
+                <a:alpha val="55000"/>
+              </a:srgbClr>
+            </a:outerShdw>
+            <a:softEdge rad="38100"/>
+          </a:effectLst>
+        </p:spPr>
+        <p:txBody>
+          <a:bodyPr wrap="square" rtlCol="0">
+            <a:spAutoFit/>
+          </a:bodyPr>
+          <a:lstStyle/>
+          <a:p>
+            <a:r>
+              <a:rPr lang="hu-HU" sz="1400" dirty="0">
+                <a:solidFill>
+                  <a:schemeClr val="tx1">
+                    <a:lumMod val="75000"/>
+                    <a:lumOff val="25000"/>
+                  </a:schemeClr>
+                </a:solidFill>
+              </a:rPr>
+              <a:t>A </a:t>
+            </a:r>
+            <a:r>
+              <a:rPr lang="hu-HU" sz="1400" dirty="0" err="1">
+                <a:solidFill>
+                  <a:schemeClr val="tx1">
+                    <a:lumMod val="75000"/>
+                    <a:lumOff val="25000"/>
+                  </a:schemeClr>
+                </a:solidFill>
+              </a:rPr>
+              <a:t>Virtualpantry</a:t>
+            </a:r>
+            <a:r>
+              <a:rPr lang="hu-HU" sz="1400" dirty="0">
+                <a:solidFill>
+                  <a:schemeClr val="tx1">
+                    <a:lumMod val="75000"/>
+                    <a:lumOff val="25000"/>
+                  </a:schemeClr>
+                </a:solidFill>
+              </a:rPr>
+              <a:t> adatbázisa</a:t>
+            </a:r>
+            <a:endParaRPr lang="en-HU" sz="1400" dirty="0">
+              <a:solidFill>
+                <a:schemeClr val="tx1">
+                  <a:lumMod val="75000"/>
+                  <a:lumOff val="25000"/>
+                </a:schemeClr>
+              </a:solidFill>
+            </a:endParaRPr>
+          </a:p>
+          <a:p>
+            <a:r>
+              <a:rPr lang="hu-HU" sz="1400" dirty="0">
+                <a:solidFill>
+                  <a:schemeClr val="tx1">
+                    <a:lumMod val="65000"/>
+                    <a:lumOff val="35000"/>
+                  </a:schemeClr>
+                </a:solidFill>
+              </a:rPr>
+              <a:t>A </a:t>
+            </a:r>
+            <a:r>
+              <a:rPr lang="hu-HU" sz="1400" b="1" dirty="0" err="1">
+                <a:solidFill>
+                  <a:schemeClr val="tx1">
+                    <a:lumMod val="65000"/>
+                    <a:lumOff val="35000"/>
+                  </a:schemeClr>
+                </a:solidFill>
+              </a:rPr>
+              <a:t>Mongo</a:t>
+            </a:r>
+            <a:r>
+              <a:rPr lang="hu-HU" sz="1400" b="1" dirty="0">
+                <a:solidFill>
+                  <a:schemeClr val="tx1">
+                    <a:lumMod val="65000"/>
+                    <a:lumOff val="35000"/>
+                  </a:schemeClr>
+                </a:solidFill>
+              </a:rPr>
+              <a:t> DB-n </a:t>
+            </a:r>
+            <a:r>
+              <a:rPr lang="hu-HU" sz="1400" dirty="0">
+                <a:solidFill>
+                  <a:schemeClr val="tx1">
+                    <a:lumMod val="65000"/>
+                    <a:lumOff val="35000"/>
+                  </a:schemeClr>
+                </a:solidFill>
+              </a:rPr>
+              <a:t>található</a:t>
+            </a:r>
+            <a:endParaRPr lang="en-HU" sz="1400" dirty="0">
+              <a:solidFill>
+                <a:schemeClr val="tx1">
+                  <a:lumMod val="65000"/>
+                  <a:lumOff val="35000"/>
+                </a:schemeClr>
+              </a:solidFill>
+            </a:endParaRPr>
+          </a:p>
+        </p:txBody>
+      </p:sp>
+      <p:sp>
+        <p:nvSpPr>
+          <p:cNvPr id="6" name="TextBox 5">
+            <a:extLst>
+              <a:ext uri="{FF2B5EF4-FFF2-40B4-BE49-F238E27FC236}">
+                <a16:creationId xmlns:a16="http://schemas.microsoft.com/office/drawing/2014/main" id="{99DECBDD-364F-654C-8933-824E8A6E8D4D}"/>
+              </a:ext>
+            </a:extLst>
+          </p:cNvPr>
+          <p:cNvSpPr txBox="1"/>
+          <p:nvPr/>
+        </p:nvSpPr>
+        <p:spPr>
+          <a:xfrm>
+            <a:off x="1019941" y="4665991"/>
+            <a:ext cx="2267270" cy="1231106"/>
+          </a:xfrm>
+          <a:prstGeom prst="rect">
+            <a:avLst/>
+          </a:prstGeom>
+          <a:solidFill>
+            <a:schemeClr val="accent1">
+              <a:lumMod val="20000"/>
+              <a:lumOff val="80000"/>
+            </a:schemeClr>
+          </a:solidFill>
+          <a:effectLst>
+            <a:outerShdw blurRad="50800" dist="50800" dir="5400000" sx="1000" sy="1000" algn="ctr" rotWithShape="0">
+              <a:srgbClr val="000000">
+                <a:alpha val="55000"/>
+              </a:srgbClr>
+            </a:outerShdw>
+            <a:softEdge rad="38100"/>
+          </a:effectLst>
+        </p:spPr>
+        <p:txBody>
+          <a:bodyPr wrap="square" rtlCol="0">
+            <a:spAutoFit/>
+          </a:bodyPr>
+          <a:lstStyle/>
+          <a:p>
+            <a:r>
+              <a:rPr lang="hu-HU" sz="1200" dirty="0">
+                <a:solidFill>
+                  <a:schemeClr val="tx1">
+                    <a:lumMod val="75000"/>
+                    <a:lumOff val="25000"/>
+                  </a:schemeClr>
+                </a:solidFill>
+              </a:rPr>
+              <a:t>Három tábla található</a:t>
+            </a:r>
+          </a:p>
+          <a:p>
+            <a:r>
+              <a:rPr lang="hu-HU" sz="1200" dirty="0">
+                <a:solidFill>
+                  <a:schemeClr val="tx1">
+                    <a:lumMod val="75000"/>
+                    <a:lumOff val="25000"/>
+                  </a:schemeClr>
+                </a:solidFill>
+              </a:rPr>
+              <a:t>az adatbázisban </a:t>
+            </a:r>
+          </a:p>
+          <a:p>
+            <a:r>
+              <a:rPr lang="hu-HU" sz="1200" b="1" dirty="0">
+                <a:solidFill>
+                  <a:schemeClr val="tx1">
+                    <a:lumMod val="75000"/>
+                    <a:lumOff val="25000"/>
+                  </a:schemeClr>
+                </a:solidFill>
+              </a:rPr>
+              <a:t>Recipe</a:t>
+            </a:r>
+            <a:r>
+              <a:rPr lang="hu-HU" sz="1200" dirty="0">
+                <a:solidFill>
+                  <a:schemeClr val="tx1">
+                    <a:lumMod val="75000"/>
+                    <a:lumOff val="25000"/>
+                  </a:schemeClr>
+                </a:solidFill>
+              </a:rPr>
+              <a:t>: receptek </a:t>
+            </a:r>
+          </a:p>
+          <a:p>
+            <a:r>
+              <a:rPr lang="hu-HU" sz="1200" b="1" dirty="0" err="1">
+                <a:solidFill>
+                  <a:schemeClr val="tx1">
+                    <a:lumMod val="75000"/>
+                    <a:lumOff val="25000"/>
+                  </a:schemeClr>
+                </a:solidFill>
+              </a:rPr>
+              <a:t>Shoppinglist</a:t>
+            </a:r>
+            <a:r>
+              <a:rPr lang="hu-HU" sz="1200" dirty="0">
+                <a:solidFill>
+                  <a:schemeClr val="tx1">
+                    <a:lumMod val="75000"/>
+                    <a:lumOff val="25000"/>
+                  </a:schemeClr>
+                </a:solidFill>
+              </a:rPr>
+              <a:t>: Bevásárló lista</a:t>
+            </a:r>
+          </a:p>
+          <a:p>
+            <a:r>
+              <a:rPr lang="hu-HU" sz="1200" b="1" dirty="0" err="1">
+                <a:solidFill>
+                  <a:schemeClr val="tx1">
+                    <a:lumMod val="75000"/>
+                    <a:lumOff val="25000"/>
+                  </a:schemeClr>
+                </a:solidFill>
+              </a:rPr>
+              <a:t>Spice</a:t>
+            </a:r>
+            <a:r>
+              <a:rPr lang="hu-HU" sz="1200" b="1" dirty="0">
+                <a:solidFill>
+                  <a:schemeClr val="tx1">
+                    <a:lumMod val="75000"/>
+                    <a:lumOff val="25000"/>
+                  </a:schemeClr>
+                </a:solidFill>
+              </a:rPr>
+              <a:t>: </a:t>
+            </a:r>
+            <a:r>
+              <a:rPr lang="hu-HU" sz="1200" dirty="0">
+                <a:solidFill>
+                  <a:schemeClr val="tx1">
+                    <a:lumMod val="75000"/>
+                    <a:lumOff val="25000"/>
+                  </a:schemeClr>
+                </a:solidFill>
+              </a:rPr>
+              <a:t>A spájz tartalma</a:t>
+            </a:r>
+          </a:p>
+          <a:p>
+            <a:endParaRPr lang="en-HU" sz="1400" dirty="0">
+              <a:solidFill>
+                <a:schemeClr val="tx1">
+                  <a:lumMod val="65000"/>
+                  <a:lumOff val="35000"/>
+                </a:schemeClr>
+              </a:solidFill>
+            </a:endParaRPr>
+          </a:p>
+        </p:txBody>
+      </p:sp>
+    </p:spTree>
+    <p:extLst>
+      <p:ext uri="{BB962C8B-B14F-4D97-AF65-F5344CB8AC3E}">
+        <p14:creationId xmlns:p14="http://schemas.microsoft.com/office/powerpoint/2010/main" val="3745225749"/>
+      </p:ext>
+    </p:extLst>
+  </p:cSld>
+  <p:clrMapOvr>
+    <a:masterClrMapping/>
+  </p:clrMapOvr>
+</p:sld>
+</file>
+
 <file path=ppt/theme/theme1.xml><?xml version="1.0" encoding="utf-8"?>
 <a:theme xmlns:a="http://schemas.openxmlformats.org/drawingml/2006/main" name="Facet">
   <a:themeElements>
